--- a/Documentation/Presentation/Project_Presentation_v3.pptx
+++ b/Documentation/Presentation/Project_Presentation_v3.pptx
@@ -5,7 +5,7 @@
     <p:sldMasterId id="2147483648" r:id="rId1"/>
   </p:sldMasterIdLst>
   <p:notesMasterIdLst>
-    <p:notesMasterId r:id="rId92"/>
+    <p:notesMasterId r:id="rId101"/>
   </p:notesMasterIdLst>
   <p:sldIdLst>
     <p:sldId id="257" r:id="rId2"/>
@@ -97,7 +97,16 @@
     <p:sldId id="349" r:id="rId88"/>
     <p:sldId id="356" r:id="rId89"/>
     <p:sldId id="359" r:id="rId90"/>
-    <p:sldId id="279" r:id="rId91"/>
+    <p:sldId id="399" r:id="rId91"/>
+    <p:sldId id="401" r:id="rId92"/>
+    <p:sldId id="398" r:id="rId93"/>
+    <p:sldId id="402" r:id="rId94"/>
+    <p:sldId id="397" r:id="rId95"/>
+    <p:sldId id="403" r:id="rId96"/>
+    <p:sldId id="404" r:id="rId97"/>
+    <p:sldId id="405" r:id="rId98"/>
+    <p:sldId id="406" r:id="rId99"/>
+    <p:sldId id="279" r:id="rId100"/>
   </p:sldIdLst>
   <p:sldSz cx="12192000" cy="6858000"/>
   <p:notesSz cx="6858000" cy="9144000"/>
@@ -29337,6 +29346,800 @@
 </file>
 
 <file path=ppt/slides/slide90.xml><?xml version="1.0" encoding="utf-8"?>
+<p:sld xmlns:a="http://schemas.openxmlformats.org/drawingml/2006/main" xmlns:r="http://schemas.openxmlformats.org/officeDocument/2006/relationships" xmlns:p="http://schemas.openxmlformats.org/presentationml/2006/main">
+  <p:cSld>
+    <p:spTree>
+      <p:nvGrpSpPr>
+        <p:cNvPr id="1" name=""/>
+        <p:cNvGrpSpPr/>
+        <p:nvPr/>
+      </p:nvGrpSpPr>
+      <p:grpSpPr>
+        <a:xfrm>
+          <a:off x="0" y="0"/>
+          <a:ext cx="0" cy="0"/>
+          <a:chOff x="0" y="0"/>
+          <a:chExt cx="0" cy="0"/>
+        </a:xfrm>
+      </p:grpSpPr>
+      <p:sp>
+        <p:nvSpPr>
+          <p:cNvPr id="2" name="Title 1">
+            <a:extLst>
+              <a:ext uri="{FF2B5EF4-FFF2-40B4-BE49-F238E27FC236}">
+                <a16:creationId xmlns:a16="http://schemas.microsoft.com/office/drawing/2014/main" id="{7E21B2A1-DA75-4EE1-B5D8-8DC9C519C98F}"/>
+              </a:ext>
+            </a:extLst>
+          </p:cNvPr>
+          <p:cNvSpPr>
+            <a:spLocks noGrp="1"/>
+          </p:cNvSpPr>
+          <p:nvPr>
+            <p:ph type="ctrTitle"/>
+          </p:nvPr>
+        </p:nvSpPr>
+        <p:spPr/>
+        <p:txBody>
+          <a:bodyPr/>
+          <a:lstStyle/>
+          <a:p>
+            <a:r>
+              <a:rPr lang="en-US" dirty="0"/>
+              <a:t>Some visualizations for the channels</a:t>
+            </a:r>
+          </a:p>
+        </p:txBody>
+      </p:sp>
+    </p:spTree>
+    <p:extLst>
+      <p:ext uri="{BB962C8B-B14F-4D97-AF65-F5344CB8AC3E}">
+        <p14:creationId xmlns:p14="http://schemas.microsoft.com/office/powerpoint/2010/main" val="1616292558"/>
+      </p:ext>
+    </p:extLst>
+  </p:cSld>
+  <p:clrMapOvr>
+    <a:masterClrMapping/>
+  </p:clrMapOvr>
+</p:sld>
+</file>
+
+<file path=ppt/slides/slide91.xml><?xml version="1.0" encoding="utf-8"?>
+<p:sld xmlns:a="http://schemas.openxmlformats.org/drawingml/2006/main" xmlns:r="http://schemas.openxmlformats.org/officeDocument/2006/relationships" xmlns:p="http://schemas.openxmlformats.org/presentationml/2006/main">
+  <p:cSld>
+    <p:spTree>
+      <p:nvGrpSpPr>
+        <p:cNvPr id="1" name=""/>
+        <p:cNvGrpSpPr/>
+        <p:nvPr/>
+      </p:nvGrpSpPr>
+      <p:grpSpPr>
+        <a:xfrm>
+          <a:off x="0" y="0"/>
+          <a:ext cx="0" cy="0"/>
+          <a:chOff x="0" y="0"/>
+          <a:chExt cx="0" cy="0"/>
+        </a:xfrm>
+      </p:grpSpPr>
+      <p:sp>
+        <p:nvSpPr>
+          <p:cNvPr id="2" name="Title 1">
+            <a:extLst>
+              <a:ext uri="{FF2B5EF4-FFF2-40B4-BE49-F238E27FC236}">
+                <a16:creationId xmlns:a16="http://schemas.microsoft.com/office/drawing/2014/main" id="{48481611-151A-4103-8742-F03AEE1D4E85}"/>
+              </a:ext>
+            </a:extLst>
+          </p:cNvPr>
+          <p:cNvSpPr>
+            <a:spLocks noGrp="1"/>
+          </p:cNvSpPr>
+          <p:nvPr>
+            <p:ph type="title"/>
+          </p:nvPr>
+        </p:nvSpPr>
+        <p:spPr/>
+        <p:txBody>
+          <a:bodyPr/>
+          <a:lstStyle/>
+          <a:p>
+            <a:r>
+              <a:rPr lang="en-US" dirty="0"/>
+              <a:t>Degree Procurement</a:t>
+            </a:r>
+          </a:p>
+        </p:txBody>
+      </p:sp>
+      <p:pic>
+        <p:nvPicPr>
+          <p:cNvPr id="4" name="Picture 3">
+            <a:extLst>
+              <a:ext uri="{FF2B5EF4-FFF2-40B4-BE49-F238E27FC236}">
+                <a16:creationId xmlns:a16="http://schemas.microsoft.com/office/drawing/2014/main" id="{E29770BB-4CD8-41C3-B0D7-75E44FD69B0C}"/>
+              </a:ext>
+            </a:extLst>
+          </p:cNvPr>
+          <p:cNvPicPr>
+            <a:picLocks noChangeAspect="1"/>
+          </p:cNvPicPr>
+          <p:nvPr/>
+        </p:nvPicPr>
+        <p:blipFill>
+          <a:blip r:embed="rId2">
+            <a:extLst>
+              <a:ext uri="{28A0092B-C50C-407E-A947-70E740481C1C}">
+                <a14:useLocalDpi xmlns:a14="http://schemas.microsoft.com/office/drawing/2010/main" val="0"/>
+              </a:ext>
+            </a:extLst>
+          </a:blip>
+          <a:stretch>
+            <a:fillRect/>
+          </a:stretch>
+        </p:blipFill>
+        <p:spPr>
+          <a:xfrm>
+            <a:off x="1590189" y="1303620"/>
+            <a:ext cx="9011621" cy="5793185"/>
+          </a:xfrm>
+          <a:prstGeom prst="rect">
+            <a:avLst/>
+          </a:prstGeom>
+        </p:spPr>
+      </p:pic>
+    </p:spTree>
+    <p:extLst>
+      <p:ext uri="{BB962C8B-B14F-4D97-AF65-F5344CB8AC3E}">
+        <p14:creationId xmlns:p14="http://schemas.microsoft.com/office/powerpoint/2010/main" val="353262991"/>
+      </p:ext>
+    </p:extLst>
+  </p:cSld>
+  <p:clrMapOvr>
+    <a:masterClrMapping/>
+  </p:clrMapOvr>
+</p:sld>
+</file>
+
+<file path=ppt/slides/slide92.xml><?xml version="1.0" encoding="utf-8"?>
+<p:sld xmlns:a="http://schemas.openxmlformats.org/drawingml/2006/main" xmlns:r="http://schemas.openxmlformats.org/officeDocument/2006/relationships" xmlns:p="http://schemas.openxmlformats.org/presentationml/2006/main">
+  <p:cSld>
+    <p:spTree>
+      <p:nvGrpSpPr>
+        <p:cNvPr id="1" name=""/>
+        <p:cNvGrpSpPr/>
+        <p:nvPr/>
+      </p:nvGrpSpPr>
+      <p:grpSpPr>
+        <a:xfrm>
+          <a:off x="0" y="0"/>
+          <a:ext cx="0" cy="0"/>
+          <a:chOff x="0" y="0"/>
+          <a:chExt cx="0" cy="0"/>
+        </a:xfrm>
+      </p:grpSpPr>
+      <p:pic>
+        <p:nvPicPr>
+          <p:cNvPr id="5" name="Picture 4">
+            <a:extLst>
+              <a:ext uri="{FF2B5EF4-FFF2-40B4-BE49-F238E27FC236}">
+                <a16:creationId xmlns:a16="http://schemas.microsoft.com/office/drawing/2014/main" id="{97E5FB8C-DF01-431B-B6CA-1AFF97F5FA8E}"/>
+              </a:ext>
+            </a:extLst>
+          </p:cNvPr>
+          <p:cNvPicPr>
+            <a:picLocks noChangeAspect="1"/>
+          </p:cNvPicPr>
+          <p:nvPr/>
+        </p:nvPicPr>
+        <p:blipFill>
+          <a:blip r:embed="rId2">
+            <a:extLst>
+              <a:ext uri="{28A0092B-C50C-407E-A947-70E740481C1C}">
+                <a14:useLocalDpi xmlns:a14="http://schemas.microsoft.com/office/drawing/2010/main" val="0"/>
+              </a:ext>
+            </a:extLst>
+          </a:blip>
+          <a:stretch>
+            <a:fillRect/>
+          </a:stretch>
+        </p:blipFill>
+        <p:spPr>
+          <a:xfrm>
+            <a:off x="1381125" y="796018"/>
+            <a:ext cx="9429750" cy="6061982"/>
+          </a:xfrm>
+          <a:prstGeom prst="rect">
+            <a:avLst/>
+          </a:prstGeom>
+        </p:spPr>
+      </p:pic>
+      <p:sp>
+        <p:nvSpPr>
+          <p:cNvPr id="6" name="Title 1">
+            <a:extLst>
+              <a:ext uri="{FF2B5EF4-FFF2-40B4-BE49-F238E27FC236}">
+                <a16:creationId xmlns:a16="http://schemas.microsoft.com/office/drawing/2014/main" id="{156F0B21-7C5C-4C6B-A235-E3564A8CF614}"/>
+              </a:ext>
+            </a:extLst>
+          </p:cNvPr>
+          <p:cNvSpPr txBox="1">
+            <a:spLocks/>
+          </p:cNvSpPr>
+          <p:nvPr/>
+        </p:nvSpPr>
+        <p:spPr>
+          <a:xfrm>
+            <a:off x="838200" y="365125"/>
+            <a:ext cx="10515600" cy="1325563"/>
+          </a:xfrm>
+          <a:prstGeom prst="rect">
+            <a:avLst/>
+          </a:prstGeom>
+        </p:spPr>
+        <p:txBody>
+          <a:bodyPr/>
+          <a:lstStyle>
+            <a:lvl1pPr algn="l" defTabSz="914400" rtl="0" eaLnBrk="1" latinLnBrk="0" hangingPunct="1">
+              <a:lnSpc>
+                <a:spcPct val="90000"/>
+              </a:lnSpc>
+              <a:spcBef>
+                <a:spcPct val="0"/>
+              </a:spcBef>
+              <a:buNone/>
+              <a:defRPr sz="4400" kern="1200">
+                <a:solidFill>
+                  <a:schemeClr val="tx1"/>
+                </a:solidFill>
+                <a:latin typeface="+mj-lt"/>
+                <a:ea typeface="+mj-ea"/>
+                <a:cs typeface="+mj-cs"/>
+              </a:defRPr>
+            </a:lvl1pPr>
+          </a:lstStyle>
+          <a:p>
+            <a:r>
+              <a:rPr lang="en-US" dirty="0"/>
+              <a:t>PageRank Demographic</a:t>
+            </a:r>
+          </a:p>
+        </p:txBody>
+      </p:sp>
+    </p:spTree>
+    <p:extLst>
+      <p:ext uri="{BB962C8B-B14F-4D97-AF65-F5344CB8AC3E}">
+        <p14:creationId xmlns:p14="http://schemas.microsoft.com/office/powerpoint/2010/main" val="2871100314"/>
+      </p:ext>
+    </p:extLst>
+  </p:cSld>
+  <p:clrMapOvr>
+    <a:masterClrMapping/>
+  </p:clrMapOvr>
+</p:sld>
+</file>
+
+<file path=ppt/slides/slide93.xml><?xml version="1.0" encoding="utf-8"?>
+<p:sld xmlns:a="http://schemas.openxmlformats.org/drawingml/2006/main" xmlns:r="http://schemas.openxmlformats.org/officeDocument/2006/relationships" xmlns:p="http://schemas.openxmlformats.org/presentationml/2006/main">
+  <p:cSld>
+    <p:spTree>
+      <p:nvGrpSpPr>
+        <p:cNvPr id="1" name=""/>
+        <p:cNvGrpSpPr/>
+        <p:nvPr/>
+      </p:nvGrpSpPr>
+      <p:grpSpPr>
+        <a:xfrm>
+          <a:off x="0" y="0"/>
+          <a:ext cx="0" cy="0"/>
+          <a:chOff x="0" y="0"/>
+          <a:chExt cx="0" cy="0"/>
+        </a:xfrm>
+      </p:grpSpPr>
+      <p:sp>
+        <p:nvSpPr>
+          <p:cNvPr id="2" name="Title 1">
+            <a:extLst>
+              <a:ext uri="{FF2B5EF4-FFF2-40B4-BE49-F238E27FC236}">
+                <a16:creationId xmlns:a16="http://schemas.microsoft.com/office/drawing/2014/main" id="{E0B0DA13-AF1A-439C-BBDB-580862BA5BE4}"/>
+              </a:ext>
+            </a:extLst>
+          </p:cNvPr>
+          <p:cNvSpPr>
+            <a:spLocks noGrp="1"/>
+          </p:cNvSpPr>
+          <p:nvPr>
+            <p:ph type="title"/>
+          </p:nvPr>
+        </p:nvSpPr>
+        <p:spPr/>
+        <p:txBody>
+          <a:bodyPr/>
+          <a:lstStyle/>
+          <a:p>
+            <a:r>
+              <a:rPr lang="en-US" dirty="0"/>
+              <a:t>Betweenness Communication</a:t>
+            </a:r>
+          </a:p>
+        </p:txBody>
+      </p:sp>
+      <p:pic>
+        <p:nvPicPr>
+          <p:cNvPr id="5" name="Content Placeholder 4">
+            <a:extLst>
+              <a:ext uri="{FF2B5EF4-FFF2-40B4-BE49-F238E27FC236}">
+                <a16:creationId xmlns:a16="http://schemas.microsoft.com/office/drawing/2014/main" id="{B5D72696-366B-47D7-B340-6AFBA8750F83}"/>
+              </a:ext>
+            </a:extLst>
+          </p:cNvPr>
+          <p:cNvPicPr>
+            <a:picLocks noGrp="1" noChangeAspect="1"/>
+          </p:cNvPicPr>
+          <p:nvPr>
+            <p:ph idx="1"/>
+          </p:nvPr>
+        </p:nvPicPr>
+        <p:blipFill>
+          <a:blip r:embed="rId2">
+            <a:extLst>
+              <a:ext uri="{28A0092B-C50C-407E-A947-70E740481C1C}">
+                <a14:useLocalDpi xmlns:a14="http://schemas.microsoft.com/office/drawing/2010/main" val="0"/>
+              </a:ext>
+            </a:extLst>
+          </a:blip>
+          <a:stretch>
+            <a:fillRect/>
+          </a:stretch>
+        </p:blipFill>
+        <p:spPr>
+          <a:xfrm>
+            <a:off x="1381125" y="1263167"/>
+            <a:ext cx="9429750" cy="6061982"/>
+          </a:xfrm>
+        </p:spPr>
+      </p:pic>
+    </p:spTree>
+    <p:extLst>
+      <p:ext uri="{BB962C8B-B14F-4D97-AF65-F5344CB8AC3E}">
+        <p14:creationId xmlns:p14="http://schemas.microsoft.com/office/powerpoint/2010/main" val="2821154438"/>
+      </p:ext>
+    </p:extLst>
+  </p:cSld>
+  <p:clrMapOvr>
+    <a:masterClrMapping/>
+  </p:clrMapOvr>
+</p:sld>
+</file>
+
+<file path=ppt/slides/slide94.xml><?xml version="1.0" encoding="utf-8"?>
+<p:sld xmlns:a="http://schemas.openxmlformats.org/drawingml/2006/main" xmlns:r="http://schemas.openxmlformats.org/officeDocument/2006/relationships" xmlns:p="http://schemas.openxmlformats.org/presentationml/2006/main">
+  <p:cSld>
+    <p:spTree>
+      <p:nvGrpSpPr>
+        <p:cNvPr id="1" name=""/>
+        <p:cNvGrpSpPr/>
+        <p:nvPr/>
+      </p:nvGrpSpPr>
+      <p:grpSpPr>
+        <a:xfrm>
+          <a:off x="0" y="0"/>
+          <a:ext cx="0" cy="0"/>
+          <a:chOff x="0" y="0"/>
+          <a:chExt cx="0" cy="0"/>
+        </a:xfrm>
+      </p:grpSpPr>
+      <p:pic>
+        <p:nvPicPr>
+          <p:cNvPr id="3" name="Picture 2">
+            <a:extLst>
+              <a:ext uri="{FF2B5EF4-FFF2-40B4-BE49-F238E27FC236}">
+                <a16:creationId xmlns:a16="http://schemas.microsoft.com/office/drawing/2014/main" id="{4808D09C-A8BC-4C65-AB75-EB784014AE31}"/>
+              </a:ext>
+            </a:extLst>
+          </p:cNvPr>
+          <p:cNvPicPr>
+            <a:picLocks noChangeAspect="1"/>
+          </p:cNvPicPr>
+          <p:nvPr/>
+        </p:nvPicPr>
+        <p:blipFill>
+          <a:blip r:embed="rId2">
+            <a:extLst>
+              <a:ext uri="{28A0092B-C50C-407E-A947-70E740481C1C}">
+                <a14:useLocalDpi xmlns:a14="http://schemas.microsoft.com/office/drawing/2010/main" val="0"/>
+              </a:ext>
+            </a:extLst>
+          </a:blip>
+          <a:stretch>
+            <a:fillRect/>
+          </a:stretch>
+        </p:blipFill>
+        <p:spPr>
+          <a:xfrm>
+            <a:off x="2762250" y="1285875"/>
+            <a:ext cx="6667500" cy="4286250"/>
+          </a:xfrm>
+          <a:prstGeom prst="rect">
+            <a:avLst/>
+          </a:prstGeom>
+        </p:spPr>
+      </p:pic>
+    </p:spTree>
+    <p:extLst>
+      <p:ext uri="{BB962C8B-B14F-4D97-AF65-F5344CB8AC3E}">
+        <p14:creationId xmlns:p14="http://schemas.microsoft.com/office/powerpoint/2010/main" val="1985605219"/>
+      </p:ext>
+    </p:extLst>
+  </p:cSld>
+  <p:clrMapOvr>
+    <a:masterClrMapping/>
+  </p:clrMapOvr>
+</p:sld>
+</file>
+
+<file path=ppt/slides/slide95.xml><?xml version="1.0" encoding="utf-8"?>
+<p:sld xmlns:a="http://schemas.openxmlformats.org/drawingml/2006/main" xmlns:r="http://schemas.openxmlformats.org/officeDocument/2006/relationships" xmlns:p="http://schemas.openxmlformats.org/presentationml/2006/main">
+  <p:cSld>
+    <p:spTree>
+      <p:nvGrpSpPr>
+        <p:cNvPr id="1" name=""/>
+        <p:cNvGrpSpPr/>
+        <p:nvPr/>
+      </p:nvGrpSpPr>
+      <p:grpSpPr>
+        <a:xfrm>
+          <a:off x="0" y="0"/>
+          <a:ext cx="0" cy="0"/>
+          <a:chOff x="0" y="0"/>
+          <a:chExt cx="0" cy="0"/>
+        </a:xfrm>
+      </p:grpSpPr>
+      <p:sp>
+        <p:nvSpPr>
+          <p:cNvPr id="2" name="Title 1">
+            <a:extLst>
+              <a:ext uri="{FF2B5EF4-FFF2-40B4-BE49-F238E27FC236}">
+                <a16:creationId xmlns:a16="http://schemas.microsoft.com/office/drawing/2014/main" id="{DAB12B00-23E6-41F9-A72E-CC4AC01D571A}"/>
+              </a:ext>
+            </a:extLst>
+          </p:cNvPr>
+          <p:cNvSpPr>
+            <a:spLocks noGrp="1"/>
+          </p:cNvSpPr>
+          <p:nvPr>
+            <p:ph type="ctrTitle"/>
+          </p:nvPr>
+        </p:nvSpPr>
+        <p:spPr/>
+        <p:txBody>
+          <a:bodyPr/>
+          <a:lstStyle/>
+          <a:p>
+            <a:r>
+              <a:rPr lang="en-US" dirty="0"/>
+              <a:t>Question 2 Seeds</a:t>
+            </a:r>
+          </a:p>
+        </p:txBody>
+      </p:sp>
+    </p:spTree>
+    <p:extLst>
+      <p:ext uri="{BB962C8B-B14F-4D97-AF65-F5344CB8AC3E}">
+        <p14:creationId xmlns:p14="http://schemas.microsoft.com/office/powerpoint/2010/main" val="2691045398"/>
+      </p:ext>
+    </p:extLst>
+  </p:cSld>
+  <p:clrMapOvr>
+    <a:masterClrMapping/>
+  </p:clrMapOvr>
+</p:sld>
+</file>
+
+<file path=ppt/slides/slide96.xml><?xml version="1.0" encoding="utf-8"?>
+<p:sld xmlns:a="http://schemas.openxmlformats.org/drawingml/2006/main" xmlns:r="http://schemas.openxmlformats.org/officeDocument/2006/relationships" xmlns:p="http://schemas.openxmlformats.org/presentationml/2006/main">
+  <p:cSld>
+    <p:spTree>
+      <p:nvGrpSpPr>
+        <p:cNvPr id="1" name=""/>
+        <p:cNvGrpSpPr/>
+        <p:nvPr/>
+      </p:nvGrpSpPr>
+      <p:grpSpPr>
+        <a:xfrm>
+          <a:off x="0" y="0"/>
+          <a:ext cx="0" cy="0"/>
+          <a:chOff x="0" y="0"/>
+          <a:chExt cx="0" cy="0"/>
+        </a:xfrm>
+      </p:grpSpPr>
+      <p:sp>
+        <p:nvSpPr>
+          <p:cNvPr id="2" name="Title 1">
+            <a:extLst>
+              <a:ext uri="{FF2B5EF4-FFF2-40B4-BE49-F238E27FC236}">
+                <a16:creationId xmlns:a16="http://schemas.microsoft.com/office/drawing/2014/main" id="{8D26C608-B85B-495A-8436-21E58302912D}"/>
+              </a:ext>
+            </a:extLst>
+          </p:cNvPr>
+          <p:cNvSpPr>
+            <a:spLocks noGrp="1"/>
+          </p:cNvSpPr>
+          <p:nvPr>
+            <p:ph type="title"/>
+          </p:nvPr>
+        </p:nvSpPr>
+        <p:spPr/>
+        <p:txBody>
+          <a:bodyPr/>
+          <a:lstStyle/>
+          <a:p>
+            <a:endParaRPr lang="en-US"/>
+          </a:p>
+        </p:txBody>
+      </p:sp>
+      <p:sp>
+        <p:nvSpPr>
+          <p:cNvPr id="3" name="Content Placeholder 2">
+            <a:extLst>
+              <a:ext uri="{FF2B5EF4-FFF2-40B4-BE49-F238E27FC236}">
+                <a16:creationId xmlns:a16="http://schemas.microsoft.com/office/drawing/2014/main" id="{4EA7BAFB-D197-4CDE-AC4F-897B5C951A84}"/>
+              </a:ext>
+            </a:extLst>
+          </p:cNvPr>
+          <p:cNvSpPr>
+            <a:spLocks noGrp="1"/>
+          </p:cNvSpPr>
+          <p:nvPr>
+            <p:ph idx="1"/>
+          </p:nvPr>
+        </p:nvSpPr>
+        <p:spPr/>
+        <p:txBody>
+          <a:bodyPr/>
+          <a:lstStyle/>
+          <a:p>
+            <a:endParaRPr lang="en-US"/>
+          </a:p>
+        </p:txBody>
+      </p:sp>
+    </p:spTree>
+    <p:extLst>
+      <p:ext uri="{BB962C8B-B14F-4D97-AF65-F5344CB8AC3E}">
+        <p14:creationId xmlns:p14="http://schemas.microsoft.com/office/powerpoint/2010/main" val="1160189686"/>
+      </p:ext>
+    </p:extLst>
+  </p:cSld>
+  <p:clrMapOvr>
+    <a:masterClrMapping/>
+  </p:clrMapOvr>
+</p:sld>
+</file>
+
+<file path=ppt/slides/slide97.xml><?xml version="1.0" encoding="utf-8"?>
+<p:sld xmlns:a="http://schemas.openxmlformats.org/drawingml/2006/main" xmlns:r="http://schemas.openxmlformats.org/officeDocument/2006/relationships" xmlns:p="http://schemas.openxmlformats.org/presentationml/2006/main">
+  <p:cSld>
+    <p:spTree>
+      <p:nvGrpSpPr>
+        <p:cNvPr id="1" name=""/>
+        <p:cNvGrpSpPr/>
+        <p:nvPr/>
+      </p:nvGrpSpPr>
+      <p:grpSpPr>
+        <a:xfrm>
+          <a:off x="0" y="0"/>
+          <a:ext cx="0" cy="0"/>
+          <a:chOff x="0" y="0"/>
+          <a:chExt cx="0" cy="0"/>
+        </a:xfrm>
+      </p:grpSpPr>
+      <p:sp>
+        <p:nvSpPr>
+          <p:cNvPr id="2" name="Title 1">
+            <a:extLst>
+              <a:ext uri="{FF2B5EF4-FFF2-40B4-BE49-F238E27FC236}">
+                <a16:creationId xmlns:a16="http://schemas.microsoft.com/office/drawing/2014/main" id="{4E42445B-546D-4DE2-B0B7-E1C440AB8DB5}"/>
+              </a:ext>
+            </a:extLst>
+          </p:cNvPr>
+          <p:cNvSpPr>
+            <a:spLocks noGrp="1"/>
+          </p:cNvSpPr>
+          <p:nvPr>
+            <p:ph type="title"/>
+          </p:nvPr>
+        </p:nvSpPr>
+        <p:spPr/>
+        <p:txBody>
+          <a:bodyPr/>
+          <a:lstStyle/>
+          <a:p>
+            <a:r>
+              <a:rPr lang="en-US" dirty="0"/>
+              <a:t>How did we calculate the graphs</a:t>
+            </a:r>
+          </a:p>
+        </p:txBody>
+      </p:sp>
+      <p:sp>
+        <p:nvSpPr>
+          <p:cNvPr id="3" name="Content Placeholder 2">
+            <a:extLst>
+              <a:ext uri="{FF2B5EF4-FFF2-40B4-BE49-F238E27FC236}">
+                <a16:creationId xmlns:a16="http://schemas.microsoft.com/office/drawing/2014/main" id="{EE447632-83BE-48D4-BC8E-521441A593EB}"/>
+              </a:ext>
+            </a:extLst>
+          </p:cNvPr>
+          <p:cNvSpPr>
+            <a:spLocks noGrp="1"/>
+          </p:cNvSpPr>
+          <p:nvPr>
+            <p:ph idx="1"/>
+          </p:nvPr>
+        </p:nvSpPr>
+        <p:spPr/>
+        <p:txBody>
+          <a:bodyPr/>
+          <a:lstStyle/>
+          <a:p>
+            <a:pPr marL="514350" indent="-514350">
+              <a:buFont typeface="+mj-lt"/>
+              <a:buAutoNum type="arabicPeriod"/>
+            </a:pPr>
+            <a:r>
+              <a:rPr lang="en-US" dirty="0"/>
+              <a:t>Located the seed in the big graph</a:t>
+            </a:r>
+          </a:p>
+          <a:p>
+            <a:pPr marL="514350" indent="-514350">
+              <a:buFont typeface="+mj-lt"/>
+              <a:buAutoNum type="arabicPeriod"/>
+            </a:pPr>
+            <a:r>
+              <a:rPr lang="en-US" dirty="0"/>
+              <a:t>Found all the edges connected to any of our seed nodes </a:t>
+            </a:r>
+          </a:p>
+          <a:p>
+            <a:pPr marL="514350" indent="-514350">
+              <a:buFont typeface="+mj-lt"/>
+              <a:buAutoNum type="arabicPeriod"/>
+            </a:pPr>
+            <a:r>
+              <a:rPr lang="en-US" dirty="0"/>
+              <a:t>Check the degree centrality measure</a:t>
+            </a:r>
+          </a:p>
+          <a:p>
+            <a:pPr marL="514350" indent="-514350">
+              <a:buFont typeface="+mj-lt"/>
+              <a:buAutoNum type="arabicPeriod"/>
+            </a:pPr>
+            <a:r>
+              <a:rPr lang="en-US" dirty="0"/>
+              <a:t>Remove the nodes with the smallest values</a:t>
+            </a:r>
+          </a:p>
+          <a:p>
+            <a:pPr marL="514350" indent="-514350">
+              <a:buFont typeface="+mj-lt"/>
+              <a:buAutoNum type="arabicPeriod"/>
+            </a:pPr>
+            <a:r>
+              <a:rPr lang="en-US" dirty="0"/>
+              <a:t>Check the big graph for all the combination of the remaining nodes</a:t>
+            </a:r>
+          </a:p>
+          <a:p>
+            <a:pPr marL="514350" indent="-514350">
+              <a:buFont typeface="+mj-lt"/>
+              <a:buAutoNum type="arabicPeriod"/>
+            </a:pPr>
+            <a:r>
+              <a:rPr lang="en-US" dirty="0"/>
+              <a:t>If not big enough(approximately the size of Template dataset):</a:t>
+            </a:r>
+          </a:p>
+          <a:p>
+            <a:pPr lvl="1"/>
+            <a:r>
+              <a:rPr lang="en-US" dirty="0"/>
+              <a:t>Repeat from 3</a:t>
+            </a:r>
+          </a:p>
+        </p:txBody>
+      </p:sp>
+    </p:spTree>
+    <p:extLst>
+      <p:ext uri="{BB962C8B-B14F-4D97-AF65-F5344CB8AC3E}">
+        <p14:creationId xmlns:p14="http://schemas.microsoft.com/office/powerpoint/2010/main" val="2408304249"/>
+      </p:ext>
+    </p:extLst>
+  </p:cSld>
+  <p:clrMapOvr>
+    <a:masterClrMapping/>
+  </p:clrMapOvr>
+</p:sld>
+</file>
+
+<file path=ppt/slides/slide98.xml><?xml version="1.0" encoding="utf-8"?>
+<p:sld xmlns:a="http://schemas.openxmlformats.org/drawingml/2006/main" xmlns:r="http://schemas.openxmlformats.org/officeDocument/2006/relationships" xmlns:p="http://schemas.openxmlformats.org/presentationml/2006/main">
+  <p:cSld>
+    <p:spTree>
+      <p:nvGrpSpPr>
+        <p:cNvPr id="1" name=""/>
+        <p:cNvGrpSpPr/>
+        <p:nvPr/>
+      </p:nvGrpSpPr>
+      <p:grpSpPr>
+        <a:xfrm>
+          <a:off x="0" y="0"/>
+          <a:ext cx="0" cy="0"/>
+          <a:chOff x="0" y="0"/>
+          <a:chExt cx="0" cy="0"/>
+        </a:xfrm>
+      </p:grpSpPr>
+      <p:sp>
+        <p:nvSpPr>
+          <p:cNvPr id="2" name="Title 1">
+            <a:extLst>
+              <a:ext uri="{FF2B5EF4-FFF2-40B4-BE49-F238E27FC236}">
+                <a16:creationId xmlns:a16="http://schemas.microsoft.com/office/drawing/2014/main" id="{26B971AA-D110-4B97-B68C-462B89ABD903}"/>
+              </a:ext>
+            </a:extLst>
+          </p:cNvPr>
+          <p:cNvSpPr>
+            <a:spLocks noGrp="1"/>
+          </p:cNvSpPr>
+          <p:nvPr>
+            <p:ph type="title"/>
+          </p:nvPr>
+        </p:nvSpPr>
+        <p:spPr/>
+        <p:txBody>
+          <a:bodyPr/>
+          <a:lstStyle/>
+          <a:p>
+            <a:endParaRPr lang="en-US"/>
+          </a:p>
+        </p:txBody>
+      </p:sp>
+      <p:sp>
+        <p:nvSpPr>
+          <p:cNvPr id="3" name="Content Placeholder 2">
+            <a:extLst>
+              <a:ext uri="{FF2B5EF4-FFF2-40B4-BE49-F238E27FC236}">
+                <a16:creationId xmlns:a16="http://schemas.microsoft.com/office/drawing/2014/main" id="{35057252-52AE-44A7-9B18-A8A98AEC0D32}"/>
+              </a:ext>
+            </a:extLst>
+          </p:cNvPr>
+          <p:cNvSpPr>
+            <a:spLocks noGrp="1"/>
+          </p:cNvSpPr>
+          <p:nvPr>
+            <p:ph idx="1"/>
+          </p:nvPr>
+        </p:nvSpPr>
+        <p:spPr/>
+        <p:txBody>
+          <a:bodyPr/>
+          <a:lstStyle/>
+          <a:p>
+            <a:endParaRPr lang="en-US"/>
+          </a:p>
+        </p:txBody>
+      </p:sp>
+    </p:spTree>
+    <p:extLst>
+      <p:ext uri="{BB962C8B-B14F-4D97-AF65-F5344CB8AC3E}">
+        <p14:creationId xmlns:p14="http://schemas.microsoft.com/office/powerpoint/2010/main" val="4285455003"/>
+      </p:ext>
+    </p:extLst>
+  </p:cSld>
+  <p:clrMapOvr>
+    <a:masterClrMapping/>
+  </p:clrMapOvr>
+</p:sld>
+</file>
+
+<file path=ppt/slides/slide99.xml><?xml version="1.0" encoding="utf-8"?>
 <p:sld xmlns:a="http://schemas.openxmlformats.org/drawingml/2006/main" xmlns:r="http://schemas.openxmlformats.org/officeDocument/2006/relationships" xmlns:p="http://schemas.openxmlformats.org/presentationml/2006/main">
   <p:cSld>
     <p:spTree>
